--- a/教案/第02章.穷举法.pptx
+++ b/教案/第02章.穷举法.pptx
@@ -5,7 +5,7 @@
     <p:sldMasterId id="2147483692" r:id="rId1"/>
   </p:sldMasterIdLst>
   <p:notesMasterIdLst>
-    <p:notesMasterId r:id="rId13"/>
+    <p:notesMasterId r:id="rId15"/>
   </p:notesMasterIdLst>
   <p:sldIdLst>
     <p:sldId id="256" r:id="rId2"/>
@@ -19,6 +19,8 @@
     <p:sldId id="266" r:id="rId10"/>
     <p:sldId id="261" r:id="rId11"/>
     <p:sldId id="262" r:id="rId12"/>
+    <p:sldId id="267" r:id="rId13"/>
+    <p:sldId id="268" r:id="rId14"/>
   </p:sldIdLst>
   <p:sldSz cx="12192000" cy="6858000"/>
   <p:notesSz cx="6858000" cy="9144000"/>
@@ -10800,6 +10802,1304 @@
 </p:sld>
 </file>
 
+<file path=ppt/slides/slide12.xml><?xml version="1.0" encoding="utf-8"?>
+<p:sld xmlns:a="http://schemas.openxmlformats.org/drawingml/2006/main" xmlns:r="http://schemas.openxmlformats.org/officeDocument/2006/relationships" xmlns:p="http://schemas.openxmlformats.org/presentationml/2006/main">
+  <p:cSld>
+    <p:spTree>
+      <p:nvGrpSpPr>
+        <p:cNvPr id="1" name=""/>
+        <p:cNvGrpSpPr/>
+        <p:nvPr/>
+      </p:nvGrpSpPr>
+      <p:grpSpPr>
+        <a:xfrm>
+          <a:off x="0" y="0"/>
+          <a:ext cx="0" cy="0"/>
+          <a:chOff x="0" y="0"/>
+          <a:chExt cx="0" cy="0"/>
+        </a:xfrm>
+      </p:grpSpPr>
+      <p:sp>
+        <p:nvSpPr>
+          <p:cNvPr id="2" name="标题 1">
+            <a:extLst>
+              <a:ext uri="{FF2B5EF4-FFF2-40B4-BE49-F238E27FC236}">
+                <a16:creationId xmlns:a16="http://schemas.microsoft.com/office/drawing/2014/main" id="{21899B8D-7459-4F02-B62E-AFDEF7B45009}"/>
+              </a:ext>
+            </a:extLst>
+          </p:cNvPr>
+          <p:cNvSpPr>
+            <a:spLocks noGrp="1"/>
+          </p:cNvSpPr>
+          <p:nvPr>
+            <p:ph type="title"/>
+          </p:nvPr>
+        </p:nvSpPr>
+        <p:spPr/>
+        <p:txBody>
+          <a:bodyPr/>
+          <a:lstStyle/>
+          <a:p>
+            <a:r>
+              <a:rPr lang="zh-CN" altLang="en-US" dirty="0"/>
+              <a:t>分解质因子</a:t>
+            </a:r>
+          </a:p>
+        </p:txBody>
+      </p:sp>
+      <p:sp>
+        <p:nvSpPr>
+          <p:cNvPr id="3" name="内容占位符 2">
+            <a:extLst>
+              <a:ext uri="{FF2B5EF4-FFF2-40B4-BE49-F238E27FC236}">
+                <a16:creationId xmlns:a16="http://schemas.microsoft.com/office/drawing/2014/main" id="{53322343-504E-49A8-9B28-75E23B86B00F}"/>
+              </a:ext>
+            </a:extLst>
+          </p:cNvPr>
+          <p:cNvSpPr>
+            <a:spLocks noGrp="1"/>
+          </p:cNvSpPr>
+          <p:nvPr>
+            <p:ph idx="1"/>
+          </p:nvPr>
+        </p:nvSpPr>
+        <p:spPr>
+          <a:xfrm>
+            <a:off x="2589212" y="2133600"/>
+            <a:ext cx="8915400" cy="1079376"/>
+          </a:xfrm>
+        </p:spPr>
+        <p:txBody>
+          <a:bodyPr/>
+          <a:lstStyle/>
+          <a:p>
+            <a:r>
+              <a:rPr lang="zh-CN" altLang="en-US" dirty="0"/>
+              <a:t>将指定正整数</a:t>
+            </a:r>
+            <a:r>
+              <a:rPr lang="en-US" altLang="zh-CN" dirty="0"/>
+              <a:t>n</a:t>
+            </a:r>
+            <a:r>
+              <a:rPr lang="zh-CN" altLang="en-US" dirty="0"/>
+              <a:t>分解为一组质因子，如</a:t>
+            </a:r>
+            <a:r>
+              <a:rPr lang="en-US" altLang="zh-CN" dirty="0"/>
+              <a:t>12 = 2 * 2 * 3</a:t>
+            </a:r>
+            <a:r>
+              <a:rPr lang="zh-CN" altLang="en-US" dirty="0"/>
+              <a:t>。</a:t>
+            </a:r>
+          </a:p>
+        </p:txBody>
+      </p:sp>
+    </p:spTree>
+    <p:extLst>
+      <p:ext uri="{BB962C8B-B14F-4D97-AF65-F5344CB8AC3E}">
+        <p14:creationId xmlns:p14="http://schemas.microsoft.com/office/powerpoint/2010/main" val="3537968413"/>
+      </p:ext>
+    </p:extLst>
+  </p:cSld>
+  <p:clrMapOvr>
+    <a:masterClrMapping/>
+  </p:clrMapOvr>
+</p:sld>
+</file>
+
+<file path=ppt/slides/slide13.xml><?xml version="1.0" encoding="utf-8"?>
+<p:sld xmlns:a="http://schemas.openxmlformats.org/drawingml/2006/main" xmlns:r="http://schemas.openxmlformats.org/officeDocument/2006/relationships" xmlns:p="http://schemas.openxmlformats.org/presentationml/2006/main">
+  <p:cSld>
+    <p:spTree>
+      <p:nvGrpSpPr>
+        <p:cNvPr id="1" name=""/>
+        <p:cNvGrpSpPr/>
+        <p:nvPr/>
+      </p:nvGrpSpPr>
+      <p:grpSpPr>
+        <a:xfrm>
+          <a:off x="0" y="0"/>
+          <a:ext cx="0" cy="0"/>
+          <a:chOff x="0" y="0"/>
+          <a:chExt cx="0" cy="0"/>
+        </a:xfrm>
+      </p:grpSpPr>
+      <p:sp>
+        <p:nvSpPr>
+          <p:cNvPr id="3" name="文本框 2">
+            <a:extLst>
+              <a:ext uri="{FF2B5EF4-FFF2-40B4-BE49-F238E27FC236}">
+                <a16:creationId xmlns:a16="http://schemas.microsoft.com/office/drawing/2014/main" id="{432B6A94-91F4-4D57-B744-8B9D0DBCE99D}"/>
+              </a:ext>
+            </a:extLst>
+          </p:cNvPr>
+          <p:cNvSpPr txBox="1"/>
+          <p:nvPr/>
+        </p:nvSpPr>
+        <p:spPr>
+          <a:xfrm>
+            <a:off x="2207568" y="714571"/>
+            <a:ext cx="7128792" cy="5428858"/>
+          </a:xfrm>
+          <a:prstGeom prst="rect">
+            <a:avLst/>
+          </a:prstGeom>
+          <a:effectLst>
+            <a:outerShdw blurRad="50800" dist="38100" dir="2700000" algn="tl" rotWithShape="0">
+              <a:prstClr val="black">
+                <a:alpha val="40000"/>
+              </a:prstClr>
+            </a:outerShdw>
+          </a:effectLst>
+        </p:spPr>
+        <p:style>
+          <a:lnRef idx="2">
+            <a:schemeClr val="dk1"/>
+          </a:lnRef>
+          <a:fillRef idx="1">
+            <a:schemeClr val="lt1"/>
+          </a:fillRef>
+          <a:effectRef idx="0">
+            <a:schemeClr val="dk1"/>
+          </a:effectRef>
+          <a:fontRef idx="minor">
+            <a:schemeClr val="dk1"/>
+          </a:fontRef>
+        </p:style>
+        <p:txBody>
+          <a:bodyPr wrap="square">
+            <a:spAutoFit/>
+          </a:bodyPr>
+          <a:lstStyle/>
+          <a:p>
+            <a:pPr>
+              <a:lnSpc>
+                <a:spcPct val="150000"/>
+              </a:lnSpc>
+            </a:pPr>
+            <a:r>
+              <a:rPr lang="en-US" altLang="zh-CN" sz="1800" dirty="0">
+                <a:solidFill>
+                  <a:srgbClr val="2B91AF"/>
+                </a:solidFill>
+                <a:latin typeface="新宋体" panose="02010609030101010101" pitchFamily="49" charset="-122"/>
+                <a:ea typeface="新宋体" panose="02010609030101010101" pitchFamily="49" charset="-122"/>
+              </a:rPr>
+              <a:t>vector</a:t>
+            </a:r>
+            <a:r>
+              <a:rPr lang="en-US" altLang="zh-CN" sz="1800" dirty="0">
+                <a:solidFill>
+                  <a:srgbClr val="000000"/>
+                </a:solidFill>
+                <a:latin typeface="新宋体" panose="02010609030101010101" pitchFamily="49" charset="-122"/>
+                <a:ea typeface="新宋体" panose="02010609030101010101" pitchFamily="49" charset="-122"/>
+              </a:rPr>
+              <a:t>&lt;</a:t>
+            </a:r>
+            <a:r>
+              <a:rPr lang="en-US" altLang="zh-CN" sz="1800" dirty="0">
+                <a:solidFill>
+                  <a:srgbClr val="0000FF"/>
+                </a:solidFill>
+                <a:latin typeface="新宋体" panose="02010609030101010101" pitchFamily="49" charset="-122"/>
+                <a:ea typeface="新宋体" panose="02010609030101010101" pitchFamily="49" charset="-122"/>
+              </a:rPr>
+              <a:t>unsigned</a:t>
+            </a:r>
+            <a:r>
+              <a:rPr lang="en-US" altLang="zh-CN" sz="1800" dirty="0">
+                <a:solidFill>
+                  <a:srgbClr val="000000"/>
+                </a:solidFill>
+                <a:latin typeface="新宋体" panose="02010609030101010101" pitchFamily="49" charset="-122"/>
+                <a:ea typeface="新宋体" panose="02010609030101010101" pitchFamily="49" charset="-122"/>
+              </a:rPr>
+              <a:t> </a:t>
+            </a:r>
+            <a:r>
+              <a:rPr lang="en-US" altLang="zh-CN" sz="1800" dirty="0">
+                <a:solidFill>
+                  <a:srgbClr val="0000FF"/>
+                </a:solidFill>
+                <a:latin typeface="新宋体" panose="02010609030101010101" pitchFamily="49" charset="-122"/>
+                <a:ea typeface="新宋体" panose="02010609030101010101" pitchFamily="49" charset="-122"/>
+              </a:rPr>
+              <a:t>int</a:t>
+            </a:r>
+            <a:r>
+              <a:rPr lang="en-US" altLang="zh-CN" sz="1800" dirty="0">
+                <a:solidFill>
+                  <a:srgbClr val="000000"/>
+                </a:solidFill>
+                <a:latin typeface="新宋体" panose="02010609030101010101" pitchFamily="49" charset="-122"/>
+                <a:ea typeface="新宋体" panose="02010609030101010101" pitchFamily="49" charset="-122"/>
+              </a:rPr>
+              <a:t>&gt; </a:t>
+            </a:r>
+            <a:r>
+              <a:rPr lang="en-US" altLang="zh-CN" sz="1800" dirty="0" err="1">
+                <a:solidFill>
+                  <a:srgbClr val="000000"/>
+                </a:solidFill>
+                <a:latin typeface="新宋体" panose="02010609030101010101" pitchFamily="49" charset="-122"/>
+                <a:ea typeface="新宋体" panose="02010609030101010101" pitchFamily="49" charset="-122"/>
+              </a:rPr>
+              <a:t>GetFactors</a:t>
+            </a:r>
+            <a:r>
+              <a:rPr lang="en-US" altLang="zh-CN" sz="1800" dirty="0">
+                <a:solidFill>
+                  <a:srgbClr val="000000"/>
+                </a:solidFill>
+                <a:latin typeface="新宋体" panose="02010609030101010101" pitchFamily="49" charset="-122"/>
+                <a:ea typeface="新宋体" panose="02010609030101010101" pitchFamily="49" charset="-122"/>
+              </a:rPr>
+              <a:t>(</a:t>
+            </a:r>
+            <a:r>
+              <a:rPr lang="en-US" altLang="zh-CN" sz="1800" dirty="0">
+                <a:solidFill>
+                  <a:srgbClr val="0000FF"/>
+                </a:solidFill>
+                <a:latin typeface="新宋体" panose="02010609030101010101" pitchFamily="49" charset="-122"/>
+                <a:ea typeface="新宋体" panose="02010609030101010101" pitchFamily="49" charset="-122"/>
+              </a:rPr>
+              <a:t>unsigned</a:t>
+            </a:r>
+            <a:r>
+              <a:rPr lang="en-US" altLang="zh-CN" sz="1800" dirty="0">
+                <a:solidFill>
+                  <a:srgbClr val="000000"/>
+                </a:solidFill>
+                <a:latin typeface="新宋体" panose="02010609030101010101" pitchFamily="49" charset="-122"/>
+                <a:ea typeface="新宋体" panose="02010609030101010101" pitchFamily="49" charset="-122"/>
+              </a:rPr>
+              <a:t> </a:t>
+            </a:r>
+            <a:r>
+              <a:rPr lang="en-US" altLang="zh-CN" sz="1800" dirty="0">
+                <a:solidFill>
+                  <a:srgbClr val="0000FF"/>
+                </a:solidFill>
+                <a:latin typeface="新宋体" panose="02010609030101010101" pitchFamily="49" charset="-122"/>
+                <a:ea typeface="新宋体" panose="02010609030101010101" pitchFamily="49" charset="-122"/>
+              </a:rPr>
+              <a:t>int</a:t>
+            </a:r>
+            <a:r>
+              <a:rPr lang="en-US" altLang="zh-CN" sz="1800" dirty="0">
+                <a:solidFill>
+                  <a:srgbClr val="000000"/>
+                </a:solidFill>
+                <a:latin typeface="新宋体" panose="02010609030101010101" pitchFamily="49" charset="-122"/>
+                <a:ea typeface="新宋体" panose="02010609030101010101" pitchFamily="49" charset="-122"/>
+              </a:rPr>
+              <a:t> </a:t>
+            </a:r>
+            <a:r>
+              <a:rPr lang="en-US" altLang="zh-CN" sz="1800" dirty="0">
+                <a:solidFill>
+                  <a:srgbClr val="808080"/>
+                </a:solidFill>
+                <a:latin typeface="新宋体" panose="02010609030101010101" pitchFamily="49" charset="-122"/>
+                <a:ea typeface="新宋体" panose="02010609030101010101" pitchFamily="49" charset="-122"/>
+              </a:rPr>
+              <a:t>n</a:t>
+            </a:r>
+            <a:r>
+              <a:rPr lang="en-US" altLang="zh-CN" sz="1800" dirty="0">
+                <a:solidFill>
+                  <a:srgbClr val="000000"/>
+                </a:solidFill>
+                <a:latin typeface="新宋体" panose="02010609030101010101" pitchFamily="49" charset="-122"/>
+                <a:ea typeface="新宋体" panose="02010609030101010101" pitchFamily="49" charset="-122"/>
+              </a:rPr>
+              <a:t>)</a:t>
+            </a:r>
+          </a:p>
+          <a:p>
+            <a:pPr>
+              <a:lnSpc>
+                <a:spcPct val="150000"/>
+              </a:lnSpc>
+            </a:pPr>
+            <a:r>
+              <a:rPr lang="en-US" altLang="zh-CN" sz="1800" dirty="0">
+                <a:solidFill>
+                  <a:srgbClr val="000000"/>
+                </a:solidFill>
+                <a:latin typeface="新宋体" panose="02010609030101010101" pitchFamily="49" charset="-122"/>
+                <a:ea typeface="新宋体" panose="02010609030101010101" pitchFamily="49" charset="-122"/>
+              </a:rPr>
+              <a:t>{</a:t>
+            </a:r>
+          </a:p>
+          <a:p>
+            <a:pPr lvl="1">
+              <a:lnSpc>
+                <a:spcPct val="150000"/>
+              </a:lnSpc>
+            </a:pPr>
+            <a:r>
+              <a:rPr lang="en-US" altLang="zh-CN" dirty="0">
+                <a:solidFill>
+                  <a:srgbClr val="2B91AF"/>
+                </a:solidFill>
+                <a:latin typeface="新宋体" panose="02010609030101010101" pitchFamily="49" charset="-122"/>
+                <a:ea typeface="新宋体" panose="02010609030101010101" pitchFamily="49" charset="-122"/>
+              </a:rPr>
+              <a:t>vector</a:t>
+            </a:r>
+            <a:r>
+              <a:rPr lang="en-US" altLang="zh-CN" dirty="0">
+                <a:solidFill>
+                  <a:srgbClr val="000000"/>
+                </a:solidFill>
+                <a:latin typeface="新宋体" panose="02010609030101010101" pitchFamily="49" charset="-122"/>
+                <a:ea typeface="新宋体" panose="02010609030101010101" pitchFamily="49" charset="-122"/>
+              </a:rPr>
+              <a:t>&lt;</a:t>
+            </a:r>
+            <a:r>
+              <a:rPr lang="en-US" altLang="zh-CN" dirty="0">
+                <a:solidFill>
+                  <a:srgbClr val="0000FF"/>
+                </a:solidFill>
+                <a:latin typeface="新宋体" panose="02010609030101010101" pitchFamily="49" charset="-122"/>
+                <a:ea typeface="新宋体" panose="02010609030101010101" pitchFamily="49" charset="-122"/>
+              </a:rPr>
+              <a:t>unsigned</a:t>
+            </a:r>
+            <a:r>
+              <a:rPr lang="en-US" altLang="zh-CN" dirty="0">
+                <a:solidFill>
+                  <a:srgbClr val="000000"/>
+                </a:solidFill>
+                <a:latin typeface="新宋体" panose="02010609030101010101" pitchFamily="49" charset="-122"/>
+                <a:ea typeface="新宋体" panose="02010609030101010101" pitchFamily="49" charset="-122"/>
+              </a:rPr>
+              <a:t> </a:t>
+            </a:r>
+            <a:r>
+              <a:rPr lang="en-US" altLang="zh-CN" dirty="0">
+                <a:solidFill>
+                  <a:srgbClr val="0000FF"/>
+                </a:solidFill>
+                <a:latin typeface="新宋体" panose="02010609030101010101" pitchFamily="49" charset="-122"/>
+                <a:ea typeface="新宋体" panose="02010609030101010101" pitchFamily="49" charset="-122"/>
+              </a:rPr>
+              <a:t>int</a:t>
+            </a:r>
+            <a:r>
+              <a:rPr lang="en-US" altLang="zh-CN" dirty="0">
+                <a:solidFill>
+                  <a:srgbClr val="000000"/>
+                </a:solidFill>
+                <a:latin typeface="新宋体" panose="02010609030101010101" pitchFamily="49" charset="-122"/>
+                <a:ea typeface="新宋体" panose="02010609030101010101" pitchFamily="49" charset="-122"/>
+              </a:rPr>
+              <a:t>&gt; </a:t>
+            </a:r>
+            <a:r>
+              <a:rPr lang="en-US" altLang="zh-CN" dirty="0" err="1">
+                <a:solidFill>
+                  <a:srgbClr val="000000"/>
+                </a:solidFill>
+                <a:latin typeface="新宋体" panose="02010609030101010101" pitchFamily="49" charset="-122"/>
+                <a:ea typeface="新宋体" panose="02010609030101010101" pitchFamily="49" charset="-122"/>
+              </a:rPr>
+              <a:t>aFactors</a:t>
+            </a:r>
+            <a:r>
+              <a:rPr lang="en-US" altLang="zh-CN" dirty="0">
+                <a:solidFill>
+                  <a:srgbClr val="000000"/>
+                </a:solidFill>
+                <a:latin typeface="新宋体" panose="02010609030101010101" pitchFamily="49" charset="-122"/>
+                <a:ea typeface="新宋体" panose="02010609030101010101" pitchFamily="49" charset="-122"/>
+              </a:rPr>
+              <a:t>;</a:t>
+            </a:r>
+          </a:p>
+          <a:p>
+            <a:pPr lvl="1">
+              <a:lnSpc>
+                <a:spcPct val="150000"/>
+              </a:lnSpc>
+            </a:pPr>
+            <a:r>
+              <a:rPr lang="en-US" altLang="zh-CN" dirty="0">
+                <a:solidFill>
+                  <a:srgbClr val="0000FF"/>
+                </a:solidFill>
+                <a:latin typeface="新宋体" panose="02010609030101010101" pitchFamily="49" charset="-122"/>
+                <a:ea typeface="新宋体" panose="02010609030101010101" pitchFamily="49" charset="-122"/>
+              </a:rPr>
+              <a:t>for</a:t>
+            </a:r>
+            <a:r>
+              <a:rPr lang="en-US" altLang="zh-CN" dirty="0">
+                <a:solidFill>
+                  <a:srgbClr val="000000"/>
+                </a:solidFill>
+                <a:latin typeface="新宋体" panose="02010609030101010101" pitchFamily="49" charset="-122"/>
+                <a:ea typeface="新宋体" panose="02010609030101010101" pitchFamily="49" charset="-122"/>
+              </a:rPr>
+              <a:t> (</a:t>
+            </a:r>
+            <a:r>
+              <a:rPr lang="en-US" altLang="zh-CN" dirty="0">
+                <a:solidFill>
+                  <a:srgbClr val="0000FF"/>
+                </a:solidFill>
+                <a:latin typeface="新宋体" panose="02010609030101010101" pitchFamily="49" charset="-122"/>
+                <a:ea typeface="新宋体" panose="02010609030101010101" pitchFamily="49" charset="-122"/>
+              </a:rPr>
+              <a:t>unsigned</a:t>
+            </a:r>
+            <a:r>
+              <a:rPr lang="en-US" altLang="zh-CN" dirty="0">
+                <a:solidFill>
+                  <a:srgbClr val="000000"/>
+                </a:solidFill>
+                <a:latin typeface="新宋体" panose="02010609030101010101" pitchFamily="49" charset="-122"/>
+                <a:ea typeface="新宋体" panose="02010609030101010101" pitchFamily="49" charset="-122"/>
+              </a:rPr>
+              <a:t> </a:t>
+            </a:r>
+            <a:r>
+              <a:rPr lang="en-US" altLang="zh-CN" dirty="0">
+                <a:solidFill>
+                  <a:srgbClr val="0000FF"/>
+                </a:solidFill>
+                <a:latin typeface="新宋体" panose="02010609030101010101" pitchFamily="49" charset="-122"/>
+                <a:ea typeface="新宋体" panose="02010609030101010101" pitchFamily="49" charset="-122"/>
+              </a:rPr>
+              <a:t>int</a:t>
+            </a:r>
+            <a:r>
+              <a:rPr lang="en-US" altLang="zh-CN" dirty="0">
+                <a:solidFill>
+                  <a:srgbClr val="000000"/>
+                </a:solidFill>
+                <a:latin typeface="新宋体" panose="02010609030101010101" pitchFamily="49" charset="-122"/>
+                <a:ea typeface="新宋体" panose="02010609030101010101" pitchFamily="49" charset="-122"/>
+              </a:rPr>
+              <a:t> a = 2; a &lt;= </a:t>
+            </a:r>
+            <a:r>
+              <a:rPr lang="en-US" altLang="zh-CN" dirty="0">
+                <a:solidFill>
+                  <a:srgbClr val="808080"/>
+                </a:solidFill>
+                <a:latin typeface="新宋体" panose="02010609030101010101" pitchFamily="49" charset="-122"/>
+                <a:ea typeface="新宋体" panose="02010609030101010101" pitchFamily="49" charset="-122"/>
+              </a:rPr>
+              <a:t>n</a:t>
+            </a:r>
+            <a:r>
+              <a:rPr lang="en-US" altLang="zh-CN" dirty="0">
+                <a:solidFill>
+                  <a:srgbClr val="000000"/>
+                </a:solidFill>
+                <a:latin typeface="新宋体" panose="02010609030101010101" pitchFamily="49" charset="-122"/>
+                <a:ea typeface="新宋体" panose="02010609030101010101" pitchFamily="49" charset="-122"/>
+              </a:rPr>
+              <a:t>; a++)</a:t>
+            </a:r>
+          </a:p>
+          <a:p>
+            <a:pPr lvl="1">
+              <a:lnSpc>
+                <a:spcPct val="150000"/>
+              </a:lnSpc>
+            </a:pPr>
+            <a:r>
+              <a:rPr lang="en-US" altLang="zh-CN" dirty="0">
+                <a:solidFill>
+                  <a:srgbClr val="000000"/>
+                </a:solidFill>
+                <a:latin typeface="新宋体" panose="02010609030101010101" pitchFamily="49" charset="-122"/>
+                <a:ea typeface="新宋体" panose="02010609030101010101" pitchFamily="49" charset="-122"/>
+              </a:rPr>
+              <a:t>{</a:t>
+            </a:r>
+          </a:p>
+          <a:p>
+            <a:pPr lvl="2">
+              <a:lnSpc>
+                <a:spcPct val="150000"/>
+              </a:lnSpc>
+            </a:pPr>
+            <a:r>
+              <a:rPr lang="en-US" altLang="zh-CN" dirty="0">
+                <a:solidFill>
+                  <a:srgbClr val="0000FF"/>
+                </a:solidFill>
+                <a:latin typeface="新宋体" panose="02010609030101010101" pitchFamily="49" charset="-122"/>
+                <a:ea typeface="新宋体" panose="02010609030101010101" pitchFamily="49" charset="-122"/>
+              </a:rPr>
+              <a:t>while</a:t>
+            </a:r>
+            <a:r>
+              <a:rPr lang="en-US" altLang="zh-CN" dirty="0">
+                <a:solidFill>
+                  <a:srgbClr val="000000"/>
+                </a:solidFill>
+                <a:latin typeface="新宋体" panose="02010609030101010101" pitchFamily="49" charset="-122"/>
+                <a:ea typeface="新宋体" panose="02010609030101010101" pitchFamily="49" charset="-122"/>
+              </a:rPr>
+              <a:t> ((</a:t>
+            </a:r>
+            <a:r>
+              <a:rPr lang="en-US" altLang="zh-CN" dirty="0">
+                <a:solidFill>
+                  <a:srgbClr val="808080"/>
+                </a:solidFill>
+                <a:latin typeface="新宋体" panose="02010609030101010101" pitchFamily="49" charset="-122"/>
+                <a:ea typeface="新宋体" panose="02010609030101010101" pitchFamily="49" charset="-122"/>
+              </a:rPr>
+              <a:t>n</a:t>
+            </a:r>
+            <a:r>
+              <a:rPr lang="en-US" altLang="zh-CN" dirty="0">
+                <a:solidFill>
+                  <a:srgbClr val="000000"/>
+                </a:solidFill>
+                <a:latin typeface="新宋体" panose="02010609030101010101" pitchFamily="49" charset="-122"/>
+                <a:ea typeface="新宋体" panose="02010609030101010101" pitchFamily="49" charset="-122"/>
+              </a:rPr>
+              <a:t> % a) == 0)</a:t>
+            </a:r>
+          </a:p>
+          <a:p>
+            <a:pPr lvl="2">
+              <a:lnSpc>
+                <a:spcPct val="150000"/>
+              </a:lnSpc>
+            </a:pPr>
+            <a:r>
+              <a:rPr lang="en-US" altLang="zh-CN" dirty="0">
+                <a:solidFill>
+                  <a:srgbClr val="000000"/>
+                </a:solidFill>
+                <a:latin typeface="新宋体" panose="02010609030101010101" pitchFamily="49" charset="-122"/>
+                <a:ea typeface="新宋体" panose="02010609030101010101" pitchFamily="49" charset="-122"/>
+              </a:rPr>
+              <a:t>{</a:t>
+            </a:r>
+          </a:p>
+          <a:p>
+            <a:pPr lvl="3">
+              <a:lnSpc>
+                <a:spcPct val="150000"/>
+              </a:lnSpc>
+            </a:pPr>
+            <a:r>
+              <a:rPr lang="en-US" altLang="zh-CN" dirty="0" err="1">
+                <a:solidFill>
+                  <a:srgbClr val="000000"/>
+                </a:solidFill>
+                <a:latin typeface="新宋体" panose="02010609030101010101" pitchFamily="49" charset="-122"/>
+                <a:ea typeface="新宋体" panose="02010609030101010101" pitchFamily="49" charset="-122"/>
+              </a:rPr>
+              <a:t>aFactors.push_back</a:t>
+            </a:r>
+            <a:r>
+              <a:rPr lang="en-US" altLang="zh-CN" dirty="0">
+                <a:solidFill>
+                  <a:srgbClr val="000000"/>
+                </a:solidFill>
+                <a:latin typeface="新宋体" panose="02010609030101010101" pitchFamily="49" charset="-122"/>
+                <a:ea typeface="新宋体" panose="02010609030101010101" pitchFamily="49" charset="-122"/>
+              </a:rPr>
+              <a:t>(a);</a:t>
+            </a:r>
+          </a:p>
+          <a:p>
+            <a:pPr lvl="3">
+              <a:lnSpc>
+                <a:spcPct val="150000"/>
+              </a:lnSpc>
+            </a:pPr>
+            <a:r>
+              <a:rPr lang="en-US" altLang="zh-CN" dirty="0">
+                <a:solidFill>
+                  <a:srgbClr val="808080"/>
+                </a:solidFill>
+                <a:latin typeface="新宋体" panose="02010609030101010101" pitchFamily="49" charset="-122"/>
+                <a:ea typeface="新宋体" panose="02010609030101010101" pitchFamily="49" charset="-122"/>
+              </a:rPr>
+              <a:t>n</a:t>
+            </a:r>
+            <a:r>
+              <a:rPr lang="en-US" altLang="zh-CN" dirty="0">
+                <a:solidFill>
+                  <a:srgbClr val="000000"/>
+                </a:solidFill>
+                <a:latin typeface="新宋体" panose="02010609030101010101" pitchFamily="49" charset="-122"/>
+                <a:ea typeface="新宋体" panose="02010609030101010101" pitchFamily="49" charset="-122"/>
+              </a:rPr>
+              <a:t> /= a;</a:t>
+            </a:r>
+          </a:p>
+          <a:p>
+            <a:pPr lvl="2">
+              <a:lnSpc>
+                <a:spcPct val="150000"/>
+              </a:lnSpc>
+            </a:pPr>
+            <a:r>
+              <a:rPr lang="en-US" altLang="zh-CN" dirty="0">
+                <a:solidFill>
+                  <a:srgbClr val="000000"/>
+                </a:solidFill>
+                <a:latin typeface="新宋体" panose="02010609030101010101" pitchFamily="49" charset="-122"/>
+                <a:ea typeface="新宋体" panose="02010609030101010101" pitchFamily="49" charset="-122"/>
+              </a:rPr>
+              <a:t>}</a:t>
+            </a:r>
+          </a:p>
+          <a:p>
+            <a:pPr lvl="1">
+              <a:lnSpc>
+                <a:spcPct val="150000"/>
+              </a:lnSpc>
+            </a:pPr>
+            <a:r>
+              <a:rPr lang="en-US" altLang="zh-CN" dirty="0">
+                <a:solidFill>
+                  <a:srgbClr val="000000"/>
+                </a:solidFill>
+                <a:latin typeface="新宋体" panose="02010609030101010101" pitchFamily="49" charset="-122"/>
+                <a:ea typeface="新宋体" panose="02010609030101010101" pitchFamily="49" charset="-122"/>
+              </a:rPr>
+              <a:t>}</a:t>
+            </a:r>
+          </a:p>
+          <a:p>
+            <a:pPr lvl="1">
+              <a:lnSpc>
+                <a:spcPct val="150000"/>
+              </a:lnSpc>
+            </a:pPr>
+            <a:r>
+              <a:rPr lang="en-US" altLang="zh-CN" dirty="0">
+                <a:solidFill>
+                  <a:srgbClr val="0000FF"/>
+                </a:solidFill>
+                <a:latin typeface="新宋体" panose="02010609030101010101" pitchFamily="49" charset="-122"/>
+                <a:ea typeface="新宋体" panose="02010609030101010101" pitchFamily="49" charset="-122"/>
+              </a:rPr>
+              <a:t>return</a:t>
+            </a:r>
+            <a:r>
+              <a:rPr lang="en-US" altLang="zh-CN" dirty="0">
+                <a:solidFill>
+                  <a:srgbClr val="000000"/>
+                </a:solidFill>
+                <a:latin typeface="新宋体" panose="02010609030101010101" pitchFamily="49" charset="-122"/>
+                <a:ea typeface="新宋体" panose="02010609030101010101" pitchFamily="49" charset="-122"/>
+              </a:rPr>
+              <a:t> </a:t>
+            </a:r>
+            <a:r>
+              <a:rPr lang="en-US" altLang="zh-CN" dirty="0" err="1">
+                <a:solidFill>
+                  <a:srgbClr val="000000"/>
+                </a:solidFill>
+                <a:latin typeface="新宋体" panose="02010609030101010101" pitchFamily="49" charset="-122"/>
+                <a:ea typeface="新宋体" panose="02010609030101010101" pitchFamily="49" charset="-122"/>
+              </a:rPr>
+              <a:t>aFactors</a:t>
+            </a:r>
+            <a:r>
+              <a:rPr lang="en-US" altLang="zh-CN" dirty="0">
+                <a:solidFill>
+                  <a:srgbClr val="000000"/>
+                </a:solidFill>
+                <a:latin typeface="新宋体" panose="02010609030101010101" pitchFamily="49" charset="-122"/>
+                <a:ea typeface="新宋体" panose="02010609030101010101" pitchFamily="49" charset="-122"/>
+              </a:rPr>
+              <a:t>;</a:t>
+            </a:r>
+          </a:p>
+          <a:p>
+            <a:pPr>
+              <a:lnSpc>
+                <a:spcPct val="150000"/>
+              </a:lnSpc>
+            </a:pPr>
+            <a:r>
+              <a:rPr lang="en-US" altLang="zh-CN" sz="1800" dirty="0">
+                <a:solidFill>
+                  <a:srgbClr val="000000"/>
+                </a:solidFill>
+                <a:latin typeface="新宋体" panose="02010609030101010101" pitchFamily="49" charset="-122"/>
+                <a:ea typeface="新宋体" panose="02010609030101010101" pitchFamily="49" charset="-122"/>
+              </a:rPr>
+              <a:t>}</a:t>
+            </a:r>
+          </a:p>
+        </p:txBody>
+      </p:sp>
+    </p:spTree>
+    <p:extLst>
+      <p:ext uri="{BB962C8B-B14F-4D97-AF65-F5344CB8AC3E}">
+        <p14:creationId xmlns:p14="http://schemas.microsoft.com/office/powerpoint/2010/main" val="855043862"/>
+      </p:ext>
+    </p:extLst>
+  </p:cSld>
+  <p:clrMapOvr>
+    <a:masterClrMapping/>
+  </p:clrMapOvr>
+  <p:timing>
+    <p:tnLst>
+      <p:par>
+        <p:cTn id="1" dur="indefinite" restart="never" nodeType="tmRoot">
+          <p:childTnLst>
+            <p:seq concurrent="1" nextAc="seek">
+              <p:cTn id="2" dur="indefinite" nodeType="mainSeq">
+                <p:childTnLst>
+                  <p:par>
+                    <p:cTn id="3" fill="hold">
+                      <p:stCondLst>
+                        <p:cond delay="indefinite"/>
+                      </p:stCondLst>
+                      <p:childTnLst>
+                        <p:par>
+                          <p:cTn id="4" fill="hold">
+                            <p:stCondLst>
+                              <p:cond delay="0"/>
+                            </p:stCondLst>
+                            <p:childTnLst>
+                              <p:par>
+                                <p:cTn id="5" presetID="1" presetClass="entr" presetSubtype="0" fill="hold" nodeType="clickEffect">
+                                  <p:stCondLst>
+                                    <p:cond delay="0"/>
+                                  </p:stCondLst>
+                                  <p:childTnLst>
+                                    <p:set>
+                                      <p:cBhvr>
+                                        <p:cTn id="6" dur="1" fill="hold">
+                                          <p:stCondLst>
+                                            <p:cond delay="0"/>
+                                          </p:stCondLst>
+                                        </p:cTn>
+                                        <p:tgtEl>
+                                          <p:spTgt spid="3">
+                                            <p:txEl>
+                                              <p:pRg st="0" end="0"/>
+                                            </p:txEl>
+                                          </p:spTgt>
+                                        </p:tgtEl>
+                                        <p:attrNameLst>
+                                          <p:attrName>style.visibility</p:attrName>
+                                        </p:attrNameLst>
+                                      </p:cBhvr>
+                                      <p:to>
+                                        <p:strVal val="visible"/>
+                                      </p:to>
+                                    </p:set>
+                                  </p:childTnLst>
+                                </p:cTn>
+                              </p:par>
+                              <p:par>
+                                <p:cTn id="7" presetID="1" presetClass="entr" presetSubtype="0" fill="hold" nodeType="withEffect">
+                                  <p:stCondLst>
+                                    <p:cond delay="0"/>
+                                  </p:stCondLst>
+                                  <p:childTnLst>
+                                    <p:set>
+                                      <p:cBhvr>
+                                        <p:cTn id="8" dur="1" fill="hold">
+                                          <p:stCondLst>
+                                            <p:cond delay="0"/>
+                                          </p:stCondLst>
+                                        </p:cTn>
+                                        <p:tgtEl>
+                                          <p:spTgt spid="3">
+                                            <p:txEl>
+                                              <p:pRg st="1" end="1"/>
+                                            </p:txEl>
+                                          </p:spTgt>
+                                        </p:tgtEl>
+                                        <p:attrNameLst>
+                                          <p:attrName>style.visibility</p:attrName>
+                                        </p:attrNameLst>
+                                      </p:cBhvr>
+                                      <p:to>
+                                        <p:strVal val="visible"/>
+                                      </p:to>
+                                    </p:set>
+                                  </p:childTnLst>
+                                </p:cTn>
+                              </p:par>
+                              <p:par>
+                                <p:cTn id="9" presetID="1" presetClass="entr" presetSubtype="0" fill="hold" nodeType="withEffect">
+                                  <p:stCondLst>
+                                    <p:cond delay="0"/>
+                                  </p:stCondLst>
+                                  <p:childTnLst>
+                                    <p:set>
+                                      <p:cBhvr>
+                                        <p:cTn id="10" dur="1" fill="hold">
+                                          <p:stCondLst>
+                                            <p:cond delay="0"/>
+                                          </p:stCondLst>
+                                        </p:cTn>
+                                        <p:tgtEl>
+                                          <p:spTgt spid="3">
+                                            <p:txEl>
+                                              <p:pRg st="12" end="12"/>
+                                            </p:txEl>
+                                          </p:spTgt>
+                                        </p:tgtEl>
+                                        <p:attrNameLst>
+                                          <p:attrName>style.visibility</p:attrName>
+                                        </p:attrNameLst>
+                                      </p:cBhvr>
+                                      <p:to>
+                                        <p:strVal val="visible"/>
+                                      </p:to>
+                                    </p:set>
+                                  </p:childTnLst>
+                                </p:cTn>
+                              </p:par>
+                            </p:childTnLst>
+                          </p:cTn>
+                        </p:par>
+                      </p:childTnLst>
+                    </p:cTn>
+                  </p:par>
+                  <p:par>
+                    <p:cTn id="11" fill="hold">
+                      <p:stCondLst>
+                        <p:cond delay="indefinite"/>
+                      </p:stCondLst>
+                      <p:childTnLst>
+                        <p:par>
+                          <p:cTn id="12" fill="hold">
+                            <p:stCondLst>
+                              <p:cond delay="0"/>
+                            </p:stCondLst>
+                            <p:childTnLst>
+                              <p:par>
+                                <p:cTn id="13" presetID="1" presetClass="entr" presetSubtype="0" fill="hold" nodeType="clickEffect">
+                                  <p:stCondLst>
+                                    <p:cond delay="0"/>
+                                  </p:stCondLst>
+                                  <p:childTnLst>
+                                    <p:set>
+                                      <p:cBhvr>
+                                        <p:cTn id="14" dur="1" fill="hold">
+                                          <p:stCondLst>
+                                            <p:cond delay="0"/>
+                                          </p:stCondLst>
+                                        </p:cTn>
+                                        <p:tgtEl>
+                                          <p:spTgt spid="3">
+                                            <p:txEl>
+                                              <p:pRg st="2" end="2"/>
+                                            </p:txEl>
+                                          </p:spTgt>
+                                        </p:tgtEl>
+                                        <p:attrNameLst>
+                                          <p:attrName>style.visibility</p:attrName>
+                                        </p:attrNameLst>
+                                      </p:cBhvr>
+                                      <p:to>
+                                        <p:strVal val="visible"/>
+                                      </p:to>
+                                    </p:set>
+                                  </p:childTnLst>
+                                </p:cTn>
+                              </p:par>
+                              <p:par>
+                                <p:cTn id="15" presetID="1" presetClass="entr" presetSubtype="0" fill="hold" nodeType="withEffect">
+                                  <p:stCondLst>
+                                    <p:cond delay="0"/>
+                                  </p:stCondLst>
+                                  <p:childTnLst>
+                                    <p:set>
+                                      <p:cBhvr>
+                                        <p:cTn id="16" dur="1" fill="hold">
+                                          <p:stCondLst>
+                                            <p:cond delay="0"/>
+                                          </p:stCondLst>
+                                        </p:cTn>
+                                        <p:tgtEl>
+                                          <p:spTgt spid="3">
+                                            <p:txEl>
+                                              <p:pRg st="11" end="11"/>
+                                            </p:txEl>
+                                          </p:spTgt>
+                                        </p:tgtEl>
+                                        <p:attrNameLst>
+                                          <p:attrName>style.visibility</p:attrName>
+                                        </p:attrNameLst>
+                                      </p:cBhvr>
+                                      <p:to>
+                                        <p:strVal val="visible"/>
+                                      </p:to>
+                                    </p:set>
+                                  </p:childTnLst>
+                                </p:cTn>
+                              </p:par>
+                            </p:childTnLst>
+                          </p:cTn>
+                        </p:par>
+                      </p:childTnLst>
+                    </p:cTn>
+                  </p:par>
+                  <p:par>
+                    <p:cTn id="17" fill="hold">
+                      <p:stCondLst>
+                        <p:cond delay="indefinite"/>
+                      </p:stCondLst>
+                      <p:childTnLst>
+                        <p:par>
+                          <p:cTn id="18" fill="hold">
+                            <p:stCondLst>
+                              <p:cond delay="0"/>
+                            </p:stCondLst>
+                            <p:childTnLst>
+                              <p:par>
+                                <p:cTn id="19" presetID="1" presetClass="entr" presetSubtype="0" fill="hold" nodeType="clickEffect">
+                                  <p:stCondLst>
+                                    <p:cond delay="0"/>
+                                  </p:stCondLst>
+                                  <p:childTnLst>
+                                    <p:set>
+                                      <p:cBhvr>
+                                        <p:cTn id="20" dur="1" fill="hold">
+                                          <p:stCondLst>
+                                            <p:cond delay="0"/>
+                                          </p:stCondLst>
+                                        </p:cTn>
+                                        <p:tgtEl>
+                                          <p:spTgt spid="3">
+                                            <p:txEl>
+                                              <p:pRg st="3" end="3"/>
+                                            </p:txEl>
+                                          </p:spTgt>
+                                        </p:tgtEl>
+                                        <p:attrNameLst>
+                                          <p:attrName>style.visibility</p:attrName>
+                                        </p:attrNameLst>
+                                      </p:cBhvr>
+                                      <p:to>
+                                        <p:strVal val="visible"/>
+                                      </p:to>
+                                    </p:set>
+                                  </p:childTnLst>
+                                </p:cTn>
+                              </p:par>
+                              <p:par>
+                                <p:cTn id="21" presetID="1" presetClass="entr" presetSubtype="0" fill="hold" nodeType="withEffect">
+                                  <p:stCondLst>
+                                    <p:cond delay="0"/>
+                                  </p:stCondLst>
+                                  <p:childTnLst>
+                                    <p:set>
+                                      <p:cBhvr>
+                                        <p:cTn id="22" dur="1" fill="hold">
+                                          <p:stCondLst>
+                                            <p:cond delay="0"/>
+                                          </p:stCondLst>
+                                        </p:cTn>
+                                        <p:tgtEl>
+                                          <p:spTgt spid="3">
+                                            <p:txEl>
+                                              <p:pRg st="4" end="4"/>
+                                            </p:txEl>
+                                          </p:spTgt>
+                                        </p:tgtEl>
+                                        <p:attrNameLst>
+                                          <p:attrName>style.visibility</p:attrName>
+                                        </p:attrNameLst>
+                                      </p:cBhvr>
+                                      <p:to>
+                                        <p:strVal val="visible"/>
+                                      </p:to>
+                                    </p:set>
+                                  </p:childTnLst>
+                                </p:cTn>
+                              </p:par>
+                              <p:par>
+                                <p:cTn id="23" presetID="1" presetClass="entr" presetSubtype="0" fill="hold" nodeType="withEffect">
+                                  <p:stCondLst>
+                                    <p:cond delay="0"/>
+                                  </p:stCondLst>
+                                  <p:childTnLst>
+                                    <p:set>
+                                      <p:cBhvr>
+                                        <p:cTn id="24" dur="1" fill="hold">
+                                          <p:stCondLst>
+                                            <p:cond delay="0"/>
+                                          </p:stCondLst>
+                                        </p:cTn>
+                                        <p:tgtEl>
+                                          <p:spTgt spid="3">
+                                            <p:txEl>
+                                              <p:pRg st="10" end="10"/>
+                                            </p:txEl>
+                                          </p:spTgt>
+                                        </p:tgtEl>
+                                        <p:attrNameLst>
+                                          <p:attrName>style.visibility</p:attrName>
+                                        </p:attrNameLst>
+                                      </p:cBhvr>
+                                      <p:to>
+                                        <p:strVal val="visible"/>
+                                      </p:to>
+                                    </p:set>
+                                  </p:childTnLst>
+                                </p:cTn>
+                              </p:par>
+                            </p:childTnLst>
+                          </p:cTn>
+                        </p:par>
+                      </p:childTnLst>
+                    </p:cTn>
+                  </p:par>
+                  <p:par>
+                    <p:cTn id="25" fill="hold">
+                      <p:stCondLst>
+                        <p:cond delay="indefinite"/>
+                      </p:stCondLst>
+                      <p:childTnLst>
+                        <p:par>
+                          <p:cTn id="26" fill="hold">
+                            <p:stCondLst>
+                              <p:cond delay="0"/>
+                            </p:stCondLst>
+                            <p:childTnLst>
+                              <p:par>
+                                <p:cTn id="27" presetID="1" presetClass="entr" presetSubtype="0" fill="hold" nodeType="clickEffect">
+                                  <p:stCondLst>
+                                    <p:cond delay="0"/>
+                                  </p:stCondLst>
+                                  <p:childTnLst>
+                                    <p:set>
+                                      <p:cBhvr>
+                                        <p:cTn id="28" dur="1" fill="hold">
+                                          <p:stCondLst>
+                                            <p:cond delay="0"/>
+                                          </p:stCondLst>
+                                        </p:cTn>
+                                        <p:tgtEl>
+                                          <p:spTgt spid="3">
+                                            <p:txEl>
+                                              <p:pRg st="5" end="5"/>
+                                            </p:txEl>
+                                          </p:spTgt>
+                                        </p:tgtEl>
+                                        <p:attrNameLst>
+                                          <p:attrName>style.visibility</p:attrName>
+                                        </p:attrNameLst>
+                                      </p:cBhvr>
+                                      <p:to>
+                                        <p:strVal val="visible"/>
+                                      </p:to>
+                                    </p:set>
+                                  </p:childTnLst>
+                                </p:cTn>
+                              </p:par>
+                              <p:par>
+                                <p:cTn id="29" presetID="1" presetClass="entr" presetSubtype="0" fill="hold" nodeType="withEffect">
+                                  <p:stCondLst>
+                                    <p:cond delay="0"/>
+                                  </p:stCondLst>
+                                  <p:childTnLst>
+                                    <p:set>
+                                      <p:cBhvr>
+                                        <p:cTn id="30" dur="1" fill="hold">
+                                          <p:stCondLst>
+                                            <p:cond delay="0"/>
+                                          </p:stCondLst>
+                                        </p:cTn>
+                                        <p:tgtEl>
+                                          <p:spTgt spid="3">
+                                            <p:txEl>
+                                              <p:pRg st="6" end="6"/>
+                                            </p:txEl>
+                                          </p:spTgt>
+                                        </p:tgtEl>
+                                        <p:attrNameLst>
+                                          <p:attrName>style.visibility</p:attrName>
+                                        </p:attrNameLst>
+                                      </p:cBhvr>
+                                      <p:to>
+                                        <p:strVal val="visible"/>
+                                      </p:to>
+                                    </p:set>
+                                  </p:childTnLst>
+                                </p:cTn>
+                              </p:par>
+                              <p:par>
+                                <p:cTn id="31" presetID="1" presetClass="entr" presetSubtype="0" fill="hold" nodeType="withEffect">
+                                  <p:stCondLst>
+                                    <p:cond delay="0"/>
+                                  </p:stCondLst>
+                                  <p:childTnLst>
+                                    <p:set>
+                                      <p:cBhvr>
+                                        <p:cTn id="32" dur="1" fill="hold">
+                                          <p:stCondLst>
+                                            <p:cond delay="0"/>
+                                          </p:stCondLst>
+                                        </p:cTn>
+                                        <p:tgtEl>
+                                          <p:spTgt spid="3">
+                                            <p:txEl>
+                                              <p:pRg st="9" end="9"/>
+                                            </p:txEl>
+                                          </p:spTgt>
+                                        </p:tgtEl>
+                                        <p:attrNameLst>
+                                          <p:attrName>style.visibility</p:attrName>
+                                        </p:attrNameLst>
+                                      </p:cBhvr>
+                                      <p:to>
+                                        <p:strVal val="visible"/>
+                                      </p:to>
+                                    </p:set>
+                                  </p:childTnLst>
+                                </p:cTn>
+                              </p:par>
+                            </p:childTnLst>
+                          </p:cTn>
+                        </p:par>
+                      </p:childTnLst>
+                    </p:cTn>
+                  </p:par>
+                  <p:par>
+                    <p:cTn id="33" fill="hold">
+                      <p:stCondLst>
+                        <p:cond delay="indefinite"/>
+                      </p:stCondLst>
+                      <p:childTnLst>
+                        <p:par>
+                          <p:cTn id="34" fill="hold">
+                            <p:stCondLst>
+                              <p:cond delay="0"/>
+                            </p:stCondLst>
+                            <p:childTnLst>
+                              <p:par>
+                                <p:cTn id="35" presetID="1" presetClass="entr" presetSubtype="0" fill="hold" nodeType="clickEffect">
+                                  <p:stCondLst>
+                                    <p:cond delay="0"/>
+                                  </p:stCondLst>
+                                  <p:childTnLst>
+                                    <p:set>
+                                      <p:cBhvr>
+                                        <p:cTn id="36" dur="1" fill="hold">
+                                          <p:stCondLst>
+                                            <p:cond delay="0"/>
+                                          </p:stCondLst>
+                                        </p:cTn>
+                                        <p:tgtEl>
+                                          <p:spTgt spid="3">
+                                            <p:txEl>
+                                              <p:pRg st="7" end="7"/>
+                                            </p:txEl>
+                                          </p:spTgt>
+                                        </p:tgtEl>
+                                        <p:attrNameLst>
+                                          <p:attrName>style.visibility</p:attrName>
+                                        </p:attrNameLst>
+                                      </p:cBhvr>
+                                      <p:to>
+                                        <p:strVal val="visible"/>
+                                      </p:to>
+                                    </p:set>
+                                  </p:childTnLst>
+                                </p:cTn>
+                              </p:par>
+                            </p:childTnLst>
+                          </p:cTn>
+                        </p:par>
+                      </p:childTnLst>
+                    </p:cTn>
+                  </p:par>
+                  <p:par>
+                    <p:cTn id="37" fill="hold">
+                      <p:stCondLst>
+                        <p:cond delay="indefinite"/>
+                      </p:stCondLst>
+                      <p:childTnLst>
+                        <p:par>
+                          <p:cTn id="38" fill="hold">
+                            <p:stCondLst>
+                              <p:cond delay="0"/>
+                            </p:stCondLst>
+                            <p:childTnLst>
+                              <p:par>
+                                <p:cTn id="39" presetID="1" presetClass="entr" presetSubtype="0" fill="hold" nodeType="clickEffect">
+                                  <p:stCondLst>
+                                    <p:cond delay="0"/>
+                                  </p:stCondLst>
+                                  <p:childTnLst>
+                                    <p:set>
+                                      <p:cBhvr>
+                                        <p:cTn id="40" dur="1" fill="hold">
+                                          <p:stCondLst>
+                                            <p:cond delay="0"/>
+                                          </p:stCondLst>
+                                        </p:cTn>
+                                        <p:tgtEl>
+                                          <p:spTgt spid="3">
+                                            <p:txEl>
+                                              <p:pRg st="8" end="8"/>
+                                            </p:txEl>
+                                          </p:spTgt>
+                                        </p:tgtEl>
+                                        <p:attrNameLst>
+                                          <p:attrName>style.visibility</p:attrName>
+                                        </p:attrNameLst>
+                                      </p:cBhvr>
+                                      <p:to>
+                                        <p:strVal val="visible"/>
+                                      </p:to>
+                                    </p:set>
+                                  </p:childTnLst>
+                                </p:cTn>
+                              </p:par>
+                            </p:childTnLst>
+                          </p:cTn>
+                        </p:par>
+                      </p:childTnLst>
+                    </p:cTn>
+                  </p:par>
+                </p:childTnLst>
+              </p:cTn>
+              <p:prevCondLst>
+                <p:cond evt="onPrev" delay="0">
+                  <p:tgtEl>
+                    <p:sldTgt/>
+                  </p:tgtEl>
+                </p:cond>
+              </p:prevCondLst>
+              <p:nextCondLst>
+                <p:cond evt="onNext" delay="0">
+                  <p:tgtEl>
+                    <p:sldTgt/>
+                  </p:tgtEl>
+                </p:cond>
+              </p:nextCondLst>
+            </p:seq>
+          </p:childTnLst>
+        </p:cTn>
+      </p:par>
+    </p:tnLst>
+  </p:timing>
+</p:sld>
+</file>
+
 <file path=ppt/slides/slide2.xml><?xml version="1.0" encoding="utf-8"?>
 <p:sld xmlns:a="http://schemas.openxmlformats.org/drawingml/2006/main" xmlns:r="http://schemas.openxmlformats.org/officeDocument/2006/relationships" xmlns:p="http://schemas.openxmlformats.org/presentationml/2006/main">
   <p:cSld>
